--- a/AsterixAndObelixRPG.pptx
+++ b/AsterixAndObelixRPG.pptx
@@ -5,21 +5,16 @@
     <p:sldMasterId id="2147483660" r:id="rId2"/>
   </p:sldMasterIdLst>
   <p:notesMasterIdLst>
-    <p:notesMasterId r:id="rId12"/>
+    <p:notesMasterId r:id="rId7"/>
   </p:notesMasterIdLst>
   <p:handoutMasterIdLst>
-    <p:handoutMasterId r:id="rId13"/>
+    <p:handoutMasterId r:id="rId8"/>
   </p:handoutMasterIdLst>
   <p:sldIdLst>
     <p:sldId id="274" r:id="rId3"/>
     <p:sldId id="593" r:id="rId4"/>
     <p:sldId id="595" r:id="rId5"/>
     <p:sldId id="594" r:id="rId6"/>
-    <p:sldId id="547" r:id="rId7"/>
-    <p:sldId id="590" r:id="rId8"/>
-    <p:sldId id="591" r:id="rId9"/>
-    <p:sldId id="592" r:id="rId10"/>
-    <p:sldId id="418" r:id="rId11"/>
   </p:sldIdLst>
   <p:sldSz cx="12188825" cy="6858000"/>
   <p:notesSz cx="6858000" cy="9144000"/>
@@ -240,7 +235,7 @@
             <a:fld id="{FE5B4EDC-59C0-49C7-8ADA-5A781B329E02}" type="datetimeFigureOut">
               <a:rPr lang="en-US"/>
               <a:pPr/>
-              <a:t>26-Feb-15</a:t>
+              <a:t>27-Feb-15</a:t>
             </a:fld>
             <a:endParaRPr dirty="0"/>
           </a:p>
@@ -439,7 +434,7 @@
             <a:fld id="{F2D8D46A-B586-417D-BFBD-8C8FE0AAF762}" type="datetimeFigureOut">
               <a:rPr lang="en-US" smtClean="0"/>
               <a:pPr/>
-              <a:t>26-Feb-15</a:t>
+              <a:t>27-Feb-15</a:t>
             </a:fld>
             <a:endParaRPr lang="en-US"/>
           </a:p>
@@ -874,141 +869,6 @@
 </p:notes>
 </file>
 
-<file path=ppt/notesSlides/notesSlide2.xml><?xml version="1.0" encoding="utf-8"?>
-<p:notes xmlns:a="http://schemas.openxmlformats.org/drawingml/2006/main" xmlns:r="http://schemas.openxmlformats.org/officeDocument/2006/relationships" xmlns:p="http://schemas.openxmlformats.org/presentationml/2006/main">
-  <p:cSld>
-    <p:spTree>
-      <p:nvGrpSpPr>
-        <p:cNvPr id="1" name=""/>
-        <p:cNvGrpSpPr/>
-        <p:nvPr/>
-      </p:nvGrpSpPr>
-      <p:grpSpPr>
-        <a:xfrm>
-          <a:off x="0" y="0"/>
-          <a:ext cx="0" cy="0"/>
-          <a:chOff x="0" y="0"/>
-          <a:chExt cx="0" cy="0"/>
-        </a:xfrm>
-      </p:grpSpPr>
-      <p:sp>
-        <p:nvSpPr>
-          <p:cNvPr id="2" name="Slide Image Placeholder 1"/>
-          <p:cNvSpPr>
-            <a:spLocks noGrp="1" noRot="1" noChangeAspect="1"/>
-          </p:cNvSpPr>
-          <p:nvPr>
-            <p:ph type="sldImg"/>
-          </p:nvPr>
-        </p:nvSpPr>
-        <p:spPr/>
-      </p:sp>
-      <p:sp>
-        <p:nvSpPr>
-          <p:cNvPr id="3" name="Notes Placeholder 2"/>
-          <p:cNvSpPr>
-            <a:spLocks noGrp="1"/>
-          </p:cNvSpPr>
-          <p:nvPr>
-            <p:ph type="body" idx="1"/>
-          </p:nvPr>
-        </p:nvSpPr>
-        <p:spPr/>
-        <p:txBody>
-          <a:bodyPr/>
-          <a:lstStyle/>
-          <a:p>
-            <a:endParaRPr lang="en-US"/>
-          </a:p>
-        </p:txBody>
-      </p:sp>
-      <p:sp>
-        <p:nvSpPr>
-          <p:cNvPr id="4" name="Footer Placeholder 3"/>
-          <p:cNvSpPr>
-            <a:spLocks noGrp="1"/>
-          </p:cNvSpPr>
-          <p:nvPr>
-            <p:ph type="ftr" sz="quarter" idx="10"/>
-          </p:nvPr>
-        </p:nvSpPr>
-        <p:spPr/>
-        <p:txBody>
-          <a:bodyPr/>
-          <a:lstStyle/>
-          <a:p>
-            <a:r>
-              <a:rPr lang="en-US" sz="1000" smtClean="0"/>
-              <a:t>© Software University Foundation – </a:t>
-            </a:r>
-            <a:r>
-              <a:rPr lang="en-US" sz="1000" u="sng" smtClean="0">
-                <a:hlinkClick r:id="rId3"/>
-              </a:rPr>
-              <a:t>http://softuni.org</a:t>
-            </a:r>
-            <a:endParaRPr lang="en-US" sz="1000" smtClean="0"/>
-          </a:p>
-          <a:p>
-            <a:r>
-              <a:rPr lang="en-US" sz="1000" smtClean="0"/>
-              <a:t>This work is licensed under the </a:t>
-            </a:r>
-            <a:r>
-              <a:rPr lang="en-US" sz="1000" u="sng" noProof="1" smtClean="0">
-                <a:hlinkClick r:id="rId4"/>
-              </a:rPr>
-              <a:t>Creative Commons Attribution-NonCommercial-ShareAlike</a:t>
-            </a:r>
-            <a:r>
-              <a:rPr lang="en-US" sz="1000" noProof="1" smtClean="0"/>
-              <a:t> </a:t>
-            </a:r>
-            <a:r>
-              <a:rPr lang="en-US" sz="1000" smtClean="0"/>
-              <a:t>license.</a:t>
-            </a:r>
-            <a:endParaRPr lang="en-US" sz="1000" dirty="0"/>
-          </a:p>
-        </p:txBody>
-      </p:sp>
-      <p:sp>
-        <p:nvSpPr>
-          <p:cNvPr id="5" name="Slide Number Placeholder 4"/>
-          <p:cNvSpPr>
-            <a:spLocks noGrp="1"/>
-          </p:cNvSpPr>
-          <p:nvPr>
-            <p:ph type="sldNum" sz="quarter" idx="11"/>
-          </p:nvPr>
-        </p:nvSpPr>
-        <p:spPr/>
-        <p:txBody>
-          <a:bodyPr/>
-          <a:lstStyle/>
-          <a:p>
-            <a:fld id="{3EBA5BD7-F043-4D1B-AA17-CD412FC534DE}" type="slidenum">
-              <a:rPr lang="en-US" smtClean="0"/>
-              <a:pPr/>
-              <a:t>9</a:t>
-            </a:fld>
-            <a:endParaRPr lang="en-US" dirty="0"/>
-          </a:p>
-        </p:txBody>
-      </p:sp>
-    </p:spTree>
-    <p:extLst>
-      <p:ext uri="{BB962C8B-B14F-4D97-AF65-F5344CB8AC3E}">
-        <p14:creationId xmlns:p14="http://schemas.microsoft.com/office/powerpoint/2010/main" val="3593825746"/>
-      </p:ext>
-    </p:extLst>
-  </p:cSld>
-  <p:clrMapOvr>
-    <a:masterClrMapping/>
-  </p:clrMapOvr>
-</p:notes>
-</file>
-
 <file path=ppt/slideLayouts/slideLayout1.xml><?xml version="1.0" encoding="utf-8"?>
 <p:sldLayout xmlns:a="http://schemas.openxmlformats.org/drawingml/2006/main" xmlns:r="http://schemas.openxmlformats.org/officeDocument/2006/relationships" xmlns:p="http://schemas.openxmlformats.org/presentationml/2006/main" preserve="1" userDrawn="1">
   <p:cSld name="Presentation Title Slide">
@@ -1618,7 +1478,7 @@
           <a:p>
             <a:fld id="{817484FE-4AE5-402A-8F45-8233A8C35A0E}" type="datetime1">
               <a:rPr lang="en-US" smtClean="0"/>
-              <a:t>26-Feb-15</a:t>
+              <a:t>27-Feb-15</a:t>
             </a:fld>
             <a:endParaRPr lang="en-US" dirty="0"/>
           </a:p>
@@ -2202,622 +2062,6 @@
 </file>
 
 <file path=ppt/slideLayouts/slideLayout5.xml><?xml version="1.0" encoding="utf-8"?>
-<p:sldLayout xmlns:a="http://schemas.openxmlformats.org/drawingml/2006/main" xmlns:r="http://schemas.openxmlformats.org/officeDocument/2006/relationships" xmlns:p="http://schemas.openxmlformats.org/presentationml/2006/main" userDrawn="1">
-  <p:cSld name="Questions Slide">
-    <p:bg>
-      <p:bgPr>
-        <a:blipFill dpi="0" rotWithShape="1">
-          <a:blip r:embed="rId2" cstate="print">
-            <a:lum/>
-            <a:extLst>
-              <a:ext uri="{28A0092B-C50C-407E-A947-70E740481C1C}">
-                <a14:useLocalDpi xmlns:a14="http://schemas.microsoft.com/office/drawing/2010/main" val="0"/>
-              </a:ext>
-            </a:extLst>
-          </a:blip>
-          <a:srcRect/>
-          <a:stretch>
-            <a:fillRect/>
-          </a:stretch>
-        </a:blipFill>
-        <a:effectLst/>
-      </p:bgPr>
-    </p:bg>
-    <p:spTree>
-      <p:nvGrpSpPr>
-        <p:cNvPr id="1" name=""/>
-        <p:cNvGrpSpPr/>
-        <p:nvPr/>
-      </p:nvGrpSpPr>
-      <p:grpSpPr>
-        <a:xfrm>
-          <a:off x="0" y="0"/>
-          <a:ext cx="0" cy="0"/>
-          <a:chOff x="0" y="0"/>
-          <a:chExt cx="0" cy="0"/>
-        </a:xfrm>
-      </p:grpSpPr>
-      <p:sp>
-        <p:nvSpPr>
-          <p:cNvPr id="28" name="Rectangle 27"/>
-          <p:cNvSpPr/>
-          <p:nvPr userDrawn="1"/>
-        </p:nvSpPr>
-        <p:spPr>
-          <a:xfrm rot="20967018">
-            <a:off x="52437" y="3176455"/>
-            <a:ext cx="7313295" cy="1261884"/>
-          </a:xfrm>
-          <a:prstGeom prst="rect">
-            <a:avLst/>
-          </a:prstGeom>
-        </p:spPr>
-        <p:txBody>
-          <a:bodyPr wrap="none" lIns="0" tIns="0" rIns="0" bIns="0" anchor="ctr" anchorCtr="0">
-            <a:noAutofit/>
-            <a:scene3d>
-              <a:camera prst="orthographicFront"/>
-              <a:lightRig rig="soft" dir="t">
-                <a:rot lat="0" lon="0" rev="10800000"/>
-              </a:lightRig>
-            </a:scene3d>
-            <a:sp3d>
-              <a:bevelT w="27940" h="12700"/>
-              <a:contourClr>
-                <a:srgbClr val="DDDDDD"/>
-              </a:contourClr>
-            </a:sp3d>
-          </a:bodyPr>
-          <a:lstStyle/>
-          <a:p>
-            <a:pPr marL="0" lvl="0" indent="0" algn="ctr" eaLnBrk="0" hangingPunct="0">
-              <a:lnSpc>
-                <a:spcPct val="100000"/>
-              </a:lnSpc>
-              <a:spcBef>
-                <a:spcPts val="0"/>
-              </a:spcBef>
-              <a:spcAft>
-                <a:spcPts val="0"/>
-              </a:spcAft>
-              <a:buClr>
-                <a:schemeClr val="accent5">
-                  <a:lumMod val="40000"/>
-                  <a:lumOff val="60000"/>
-                </a:schemeClr>
-              </a:buClr>
-              <a:buSzPct val="70000"/>
-              <a:buFont typeface="Wingdings 2" pitchFamily="18" charset="2"/>
-              <a:buNone/>
-            </a:pPr>
-            <a:r>
-              <a:rPr lang="en-US" sz="10000" b="1" kern="1200" noProof="0" dirty="0" smtClean="0">
-                <a:solidFill>
-                  <a:srgbClr val="F3BE60"/>
-                </a:solidFill>
-                <a:latin typeface="+mj-lt"/>
-                <a:ea typeface="+mj-ea"/>
-                <a:cs typeface="+mj-cs"/>
-              </a:rPr>
-              <a:t>Questions?</a:t>
-            </a:r>
-            <a:endParaRPr lang="en-US" sz="10000" b="1" spc="150" dirty="0">
-              <a:ln w="11430"/>
-              <a:solidFill>
-                <a:schemeClr val="tx1">
-                  <a:lumMod val="40000"/>
-                  <a:lumOff val="60000"/>
-                </a:schemeClr>
-              </a:solidFill>
-              <a:effectLst>
-                <a:outerShdw blurRad="25400" algn="tl" rotWithShape="0">
-                  <a:srgbClr val="000000">
-                    <a:alpha val="43000"/>
-                  </a:srgbClr>
-                </a:outerShdw>
-              </a:effectLst>
-              <a:latin typeface="+mn-lt"/>
-            </a:endParaRPr>
-          </a:p>
-        </p:txBody>
-      </p:sp>
-      <p:sp>
-        <p:nvSpPr>
-          <p:cNvPr id="29" name="Text Placeholder 29"/>
-          <p:cNvSpPr>
-            <a:spLocks noGrp="1"/>
-          </p:cNvSpPr>
-          <p:nvPr>
-            <p:ph type="body" sz="quarter" idx="10" hasCustomPrompt="1"/>
-          </p:nvPr>
-        </p:nvSpPr>
-        <p:spPr>
-          <a:xfrm>
-            <a:off x="1529384" y="6400802"/>
-            <a:ext cx="10482604" cy="363552"/>
-          </a:xfrm>
-          <a:prstGeom prst="rect">
-            <a:avLst/>
-          </a:prstGeom>
-        </p:spPr>
-        <p:txBody>
-          <a:bodyPr wrap="square" lIns="36000" rIns="36000">
-            <a:spAutoFit/>
-          </a:bodyPr>
-          <a:lstStyle>
-            <a:lvl1pPr marL="0" indent="0" algn="r">
-              <a:buNone/>
-              <a:defRPr sz="1800">
-                <a:latin typeface="+mn-lt"/>
-              </a:defRPr>
-            </a:lvl1pPr>
-          </a:lstStyle>
-          <a:p>
-            <a:pPr lvl="0"/>
-            <a:r>
-              <a:rPr lang="en-US" dirty="0" smtClean="0"/>
-              <a:t>Course Web Site</a:t>
-            </a:r>
-            <a:endParaRPr lang="en-US" dirty="0"/>
-          </a:p>
-        </p:txBody>
-      </p:sp>
-      <p:pic>
-        <p:nvPicPr>
-          <p:cNvPr id="55" name="Picture 54"/>
-          <p:cNvPicPr>
-            <a:picLocks noChangeAspect="1"/>
-          </p:cNvPicPr>
-          <p:nvPr userDrawn="1"/>
-        </p:nvPicPr>
-        <p:blipFill>
-          <a:blip r:embed="rId3" cstate="print">
-            <a:extLst>
-              <a:ext uri="{28A0092B-C50C-407E-A947-70E740481C1C}">
-                <a14:useLocalDpi xmlns:a14="http://schemas.microsoft.com/office/drawing/2010/main" val="0"/>
-              </a:ext>
-            </a:extLst>
-          </a:blip>
-          <a:stretch>
-            <a:fillRect/>
-          </a:stretch>
-        </p:blipFill>
-        <p:spPr>
-          <a:xfrm>
-            <a:off x="9838412" y="261000"/>
-            <a:ext cx="2050131" cy="670675"/>
-          </a:xfrm>
-          <a:prstGeom prst="rect">
-            <a:avLst/>
-          </a:prstGeom>
-        </p:spPr>
-      </p:pic>
-      <p:sp>
-        <p:nvSpPr>
-          <p:cNvPr id="50" name="Title 1"/>
-          <p:cNvSpPr>
-            <a:spLocks noGrp="1"/>
-          </p:cNvSpPr>
-          <p:nvPr>
-            <p:ph type="title" hasCustomPrompt="1"/>
-          </p:nvPr>
-        </p:nvSpPr>
-        <p:spPr>
-          <a:xfrm>
-            <a:off x="188815" y="40341"/>
-            <a:ext cx="9577597" cy="1110780"/>
-          </a:xfrm>
-        </p:spPr>
-        <p:txBody>
-          <a:bodyPr/>
-          <a:lstStyle>
-            <a:lvl1pPr>
-              <a:defRPr>
-                <a:solidFill>
-                  <a:srgbClr val="F3BE60"/>
-                </a:solidFill>
-                <a:effectLst/>
-              </a:defRPr>
-            </a:lvl1pPr>
-          </a:lstStyle>
-          <a:p>
-            <a:r>
-              <a:rPr lang="en-US" dirty="0" smtClean="0"/>
-              <a:t>Presentation Title</a:t>
-            </a:r>
-            <a:endParaRPr dirty="0"/>
-          </a:p>
-        </p:txBody>
-      </p:sp>
-      <p:sp>
-        <p:nvSpPr>
-          <p:cNvPr id="2" name="TextBox 1">
-            <a:hlinkClick r:id="rId4" tooltip="Software University - Quality Education, Profession and Job for Software Engineers"/>
-          </p:cNvPr>
-          <p:cNvSpPr txBox="1"/>
-          <p:nvPr userDrawn="1"/>
-        </p:nvSpPr>
-        <p:spPr>
-          <a:xfrm rot="322982">
-            <a:off x="10066442" y="2253546"/>
-            <a:ext cx="303288" cy="400110"/>
-          </a:xfrm>
-          <a:prstGeom prst="rect">
-            <a:avLst/>
-          </a:prstGeom>
-          <a:noFill/>
-        </p:spPr>
-        <p:txBody>
-          <a:bodyPr wrap="none" rtlCol="0">
-            <a:spAutoFit/>
-          </a:bodyPr>
-          <a:lstStyle/>
-          <a:p>
-            <a:r>
-              <a:rPr lang="en-US" sz="2000" b="1" dirty="0" smtClean="0">
-                <a:solidFill>
-                  <a:srgbClr val="603A14"/>
-                </a:solidFill>
-              </a:rPr>
-              <a:t>?</a:t>
-            </a:r>
-            <a:endParaRPr lang="en-US" sz="2000" b="1" dirty="0">
-              <a:solidFill>
-                <a:srgbClr val="603A14"/>
-              </a:solidFill>
-            </a:endParaRPr>
-          </a:p>
-        </p:txBody>
-      </p:sp>
-      <p:sp>
-        <p:nvSpPr>
-          <p:cNvPr id="27" name="TextBox 26">
-            <a:hlinkClick r:id="rId5" tooltip="Software University Foundaton"/>
-          </p:cNvPr>
-          <p:cNvSpPr txBox="1"/>
-          <p:nvPr userDrawn="1"/>
-        </p:nvSpPr>
-        <p:spPr>
-          <a:xfrm rot="20630519">
-            <a:off x="7568290" y="4341197"/>
-            <a:ext cx="303288" cy="400110"/>
-          </a:xfrm>
-          <a:prstGeom prst="rect">
-            <a:avLst/>
-          </a:prstGeom>
-          <a:noFill/>
-        </p:spPr>
-        <p:txBody>
-          <a:bodyPr wrap="none" rtlCol="0">
-            <a:spAutoFit/>
-          </a:bodyPr>
-          <a:lstStyle/>
-          <a:p>
-            <a:r>
-              <a:rPr lang="en-US" sz="2000" b="1" dirty="0" smtClean="0">
-                <a:solidFill>
-                  <a:srgbClr val="603A14"/>
-                </a:solidFill>
-              </a:rPr>
-              <a:t>?</a:t>
-            </a:r>
-            <a:endParaRPr lang="en-US" sz="2000" b="1" dirty="0">
-              <a:solidFill>
-                <a:srgbClr val="603A14"/>
-              </a:solidFill>
-            </a:endParaRPr>
-          </a:p>
-        </p:txBody>
-      </p:sp>
-      <p:sp>
-        <p:nvSpPr>
-          <p:cNvPr id="51" name="TextBox 50">
-            <a:hlinkClick r:id="rId6" tooltip="Svetlin Nakov - Programming and Education for Developers"/>
-          </p:cNvPr>
-          <p:cNvSpPr txBox="1"/>
-          <p:nvPr userDrawn="1"/>
-        </p:nvSpPr>
-        <p:spPr>
-          <a:xfrm>
-            <a:off x="11500162" y="4679637"/>
-            <a:ext cx="255198" cy="276999"/>
-          </a:xfrm>
-          <a:prstGeom prst="rect">
-            <a:avLst/>
-          </a:prstGeom>
-          <a:noFill/>
-        </p:spPr>
-        <p:txBody>
-          <a:bodyPr wrap="none" rtlCol="0">
-            <a:spAutoFit/>
-          </a:bodyPr>
-          <a:lstStyle/>
-          <a:p>
-            <a:r>
-              <a:rPr lang="en-US" sz="1200" dirty="0" smtClean="0">
-                <a:solidFill>
-                  <a:srgbClr val="603A14"/>
-                </a:solidFill>
-              </a:rPr>
-              <a:t>?</a:t>
-            </a:r>
-            <a:endParaRPr lang="en-US" sz="1200" dirty="0">
-              <a:solidFill>
-                <a:srgbClr val="603A14"/>
-              </a:solidFill>
-            </a:endParaRPr>
-          </a:p>
-        </p:txBody>
-      </p:sp>
-      <p:sp>
-        <p:nvSpPr>
-          <p:cNvPr id="52" name="TextBox 51">
-            <a:hlinkClick r:id="rId7" tooltip="Software University - Discussion Forum"/>
-          </p:cNvPr>
-          <p:cNvSpPr txBox="1"/>
-          <p:nvPr userDrawn="1"/>
-        </p:nvSpPr>
-        <p:spPr>
-          <a:xfrm rot="20971262">
-            <a:off x="6094412" y="6109081"/>
-            <a:ext cx="268022" cy="307777"/>
-          </a:xfrm>
-          <a:prstGeom prst="rect">
-            <a:avLst/>
-          </a:prstGeom>
-          <a:noFill/>
-        </p:spPr>
-        <p:txBody>
-          <a:bodyPr wrap="none" rtlCol="0">
-            <a:spAutoFit/>
-          </a:bodyPr>
-          <a:lstStyle/>
-          <a:p>
-            <a:r>
-              <a:rPr lang="en-US" sz="1400" dirty="0" smtClean="0">
-                <a:solidFill>
-                  <a:srgbClr val="603A14"/>
-                </a:solidFill>
-              </a:rPr>
-              <a:t>?</a:t>
-            </a:r>
-            <a:endParaRPr lang="en-US" sz="1400" dirty="0">
-              <a:solidFill>
-                <a:srgbClr val="603A14"/>
-              </a:solidFill>
-            </a:endParaRPr>
-          </a:p>
-        </p:txBody>
-      </p:sp>
-      <p:sp>
-        <p:nvSpPr>
-          <p:cNvPr id="53" name="TextBox 52">
-            <a:hlinkClick r:id="rId8" tooltip="Software University - Online Judge System"/>
-          </p:cNvPr>
-          <p:cNvSpPr txBox="1"/>
-          <p:nvPr userDrawn="1"/>
-        </p:nvSpPr>
-        <p:spPr>
-          <a:xfrm rot="569019">
-            <a:off x="9155998" y="4032736"/>
-            <a:ext cx="292068" cy="369332"/>
-          </a:xfrm>
-          <a:prstGeom prst="rect">
-            <a:avLst/>
-          </a:prstGeom>
-          <a:noFill/>
-        </p:spPr>
-        <p:txBody>
-          <a:bodyPr wrap="none" rtlCol="0">
-            <a:spAutoFit/>
-          </a:bodyPr>
-          <a:lstStyle/>
-          <a:p>
-            <a:r>
-              <a:rPr lang="en-US" sz="1800" b="1" dirty="0" smtClean="0">
-                <a:solidFill>
-                  <a:srgbClr val="603A14"/>
-                </a:solidFill>
-              </a:rPr>
-              <a:t>?</a:t>
-            </a:r>
-            <a:endParaRPr lang="en-US" sz="1800" b="1" dirty="0">
-              <a:solidFill>
-                <a:srgbClr val="603A14"/>
-              </a:solidFill>
-            </a:endParaRPr>
-          </a:p>
-        </p:txBody>
-      </p:sp>
-      <p:sp>
-        <p:nvSpPr>
-          <p:cNvPr id="54" name="TextBox 53">
-            <a:hlinkClick r:id="rId9" tooltip="Software University @ Facebook"/>
-          </p:cNvPr>
-          <p:cNvSpPr txBox="1"/>
-          <p:nvPr userDrawn="1"/>
-        </p:nvSpPr>
-        <p:spPr>
-          <a:xfrm rot="219682">
-            <a:off x="7047355" y="2560119"/>
-            <a:ext cx="327334" cy="461665"/>
-          </a:xfrm>
-          <a:prstGeom prst="rect">
-            <a:avLst/>
-          </a:prstGeom>
-          <a:noFill/>
-        </p:spPr>
-        <p:txBody>
-          <a:bodyPr wrap="none" rtlCol="0">
-            <a:spAutoFit/>
-          </a:bodyPr>
-          <a:lstStyle/>
-          <a:p>
-            <a:r>
-              <a:rPr lang="en-US" sz="2400" b="1" dirty="0" smtClean="0">
-                <a:solidFill>
-                  <a:srgbClr val="603A14"/>
-                </a:solidFill>
-              </a:rPr>
-              <a:t>?</a:t>
-            </a:r>
-            <a:endParaRPr lang="en-US" sz="2400" b="1" dirty="0">
-              <a:solidFill>
-                <a:srgbClr val="603A14"/>
-              </a:solidFill>
-            </a:endParaRPr>
-          </a:p>
-        </p:txBody>
-      </p:sp>
-      <p:sp>
-        <p:nvSpPr>
-          <p:cNvPr id="56" name="TextBox 55">
-            <a:hlinkClick r:id="rId10" tooltip="Software University @ Twitter"/>
-          </p:cNvPr>
-          <p:cNvSpPr txBox="1"/>
-          <p:nvPr userDrawn="1"/>
-        </p:nvSpPr>
-        <p:spPr>
-          <a:xfrm rot="20972266">
-            <a:off x="11754532" y="2320841"/>
-            <a:ext cx="268022" cy="307777"/>
-          </a:xfrm>
-          <a:prstGeom prst="rect">
-            <a:avLst/>
-          </a:prstGeom>
-          <a:noFill/>
-        </p:spPr>
-        <p:txBody>
-          <a:bodyPr wrap="none" rtlCol="0">
-            <a:spAutoFit/>
-          </a:bodyPr>
-          <a:lstStyle/>
-          <a:p>
-            <a:r>
-              <a:rPr lang="en-US" sz="1400" dirty="0" smtClean="0">
-                <a:solidFill>
-                  <a:srgbClr val="603A14"/>
-                </a:solidFill>
-              </a:rPr>
-              <a:t>?</a:t>
-            </a:r>
-            <a:endParaRPr lang="en-US" sz="1400" dirty="0">
-              <a:solidFill>
-                <a:srgbClr val="603A14"/>
-              </a:solidFill>
-            </a:endParaRPr>
-          </a:p>
-        </p:txBody>
-      </p:sp>
-      <p:sp>
-        <p:nvSpPr>
-          <p:cNvPr id="57" name="TextBox 56">
-            <a:hlinkClick r:id="rId11" tooltip="Software University @ YouTube - free training courses and video lessons for software engineers"/>
-          </p:cNvPr>
-          <p:cNvSpPr txBox="1"/>
-          <p:nvPr userDrawn="1"/>
-        </p:nvSpPr>
-        <p:spPr>
-          <a:xfrm rot="562174">
-            <a:off x="11774596" y="3447926"/>
-            <a:ext cx="255198" cy="276999"/>
-          </a:xfrm>
-          <a:prstGeom prst="rect">
-            <a:avLst/>
-          </a:prstGeom>
-          <a:noFill/>
-        </p:spPr>
-        <p:txBody>
-          <a:bodyPr wrap="none" rtlCol="0">
-            <a:spAutoFit/>
-          </a:bodyPr>
-          <a:lstStyle/>
-          <a:p>
-            <a:r>
-              <a:rPr lang="en-US" sz="1200" dirty="0" smtClean="0">
-                <a:solidFill>
-                  <a:srgbClr val="603A14"/>
-                </a:solidFill>
-              </a:rPr>
-              <a:t>?</a:t>
-            </a:r>
-            <a:endParaRPr lang="en-US" sz="1200" dirty="0">
-              <a:solidFill>
-                <a:srgbClr val="603A14"/>
-              </a:solidFill>
-            </a:endParaRPr>
-          </a:p>
-        </p:txBody>
-      </p:sp>
-      <p:sp>
-        <p:nvSpPr>
-          <p:cNvPr id="58" name="TextBox 57">
-            <a:hlinkClick r:id="rId12" tooltip="Programming Fundamentals Book and Vide Lessons: Learn C#, Programming, Data Structures, Algorithms and Quality Coding"/>
-          </p:cNvPr>
-          <p:cNvSpPr txBox="1"/>
-          <p:nvPr userDrawn="1"/>
-        </p:nvSpPr>
-        <p:spPr>
-          <a:xfrm rot="571210">
-            <a:off x="11136783" y="5625911"/>
-            <a:ext cx="268022" cy="307777"/>
-          </a:xfrm>
-          <a:prstGeom prst="rect">
-            <a:avLst/>
-          </a:prstGeom>
-          <a:noFill/>
-        </p:spPr>
-        <p:txBody>
-          <a:bodyPr wrap="none" rtlCol="0">
-            <a:spAutoFit/>
-          </a:bodyPr>
-          <a:lstStyle/>
-          <a:p>
-            <a:r>
-              <a:rPr lang="en-US" sz="1400" dirty="0" smtClean="0">
-                <a:solidFill>
-                  <a:srgbClr val="603A14"/>
-                </a:solidFill>
-              </a:rPr>
-              <a:t>?</a:t>
-            </a:r>
-            <a:endParaRPr lang="en-US" sz="1400" dirty="0">
-              <a:solidFill>
-                <a:srgbClr val="603A14"/>
-              </a:solidFill>
-            </a:endParaRPr>
-          </a:p>
-        </p:txBody>
-      </p:sp>
-    </p:spTree>
-    <p:extLst>
-      <p:ext uri="{BB962C8B-B14F-4D97-AF65-F5344CB8AC3E}">
-        <p14:creationId xmlns:p14="http://schemas.microsoft.com/office/powerpoint/2010/main" val="4205820629"/>
-      </p:ext>
-    </p:extLst>
-  </p:cSld>
-  <p:clrMapOvr>
-    <a:masterClrMapping/>
-  </p:clrMapOvr>
-  <mc:AlternateContent xmlns:mc="http://schemas.openxmlformats.org/markup-compatibility/2006" xmlns:p14="http://schemas.microsoft.com/office/powerpoint/2010/main">
-    <mc:Choice Requires="p14">
-      <p:transition p14:dur="0"/>
-    </mc:Choice>
-    <mc:Fallback xmlns="">
-      <p:transition/>
-    </mc:Fallback>
-  </mc:AlternateContent>
-  <p:timing>
-    <p:tnLst>
-      <p:par>
-        <p:cTn id="1" dur="indefinite" restart="never" nodeType="tmRoot"/>
-      </p:par>
-    </p:tnLst>
-  </p:timing>
-</p:sldLayout>
-</file>
-
-<file path=ppt/slideLayouts/slideLayout6.xml><?xml version="1.0" encoding="utf-8"?>
 <p:sldLayout xmlns:a="http://schemas.openxmlformats.org/drawingml/2006/main" xmlns:r="http://schemas.openxmlformats.org/officeDocument/2006/relationships" xmlns:p="http://schemas.openxmlformats.org/presentationml/2006/main">
   <p:cSld name="Source Code Example">
     <p:spTree>
@@ -3255,7 +2499,7 @@
     <p:bg>
       <p:bgPr>
         <a:blipFill dpi="0" rotWithShape="1">
-          <a:blip r:embed="rId8">
+          <a:blip r:embed="rId7">
             <a:lum/>
             <a:extLst>
               <a:ext uri="{28A0092B-C50C-407E-A947-70E740481C1C}">
@@ -3320,7 +2564,7 @@
           <a:p>
             <a:fld id="{74E03154-67DD-4056-8907-5F7123F885BB}" type="datetime1">
               <a:rPr lang="en-US" smtClean="0"/>
-              <a:t>26-Feb-15</a:t>
+              <a:t>27-Feb-15</a:t>
             </a:fld>
             <a:endParaRPr lang="en-US" dirty="0"/>
           </a:p>
@@ -3513,8 +2757,7 @@
     <p:sldLayoutId id="2147483662" r:id="rId2"/>
     <p:sldLayoutId id="2147483663" r:id="rId3"/>
     <p:sldLayoutId id="2147483667" r:id="rId4"/>
-    <p:sldLayoutId id="2147483668" r:id="rId5"/>
-    <p:sldLayoutId id="2147483669" r:id="rId6"/>
+    <p:sldLayoutId id="2147483669" r:id="rId5"/>
   </p:sldLayoutIdLst>
   <mc:AlternateContent xmlns:mc="http://schemas.openxmlformats.org/markup-compatibility/2006" xmlns:p14="http://schemas.microsoft.com/office/powerpoint/2010/main">
     <mc:Choice Requires="p14">
@@ -4388,7 +3631,6 @@
               <a:rPr lang="en-US" dirty="0" smtClean="0"/>
               <a:t>ttack cadet / manipularius / tribune / </a:t>
             </a:r>
-            <a:endParaRPr lang="en-US" dirty="0" smtClean="0"/>
           </a:p>
           <a:p>
             <a:pPr marL="377887" lvl="1" indent="0">
@@ -4403,11 +3645,7 @@
             </a:r>
             <a:r>
               <a:rPr lang="en-US" dirty="0" smtClean="0"/>
-              <a:t>centurion </a:t>
-            </a:r>
-            <a:r>
-              <a:rPr lang="en-US" dirty="0" smtClean="0"/>
-              <a:t>/ ordinatus / caesar</a:t>
+              <a:t>centurion / ordinatus / caesar</a:t>
             </a:r>
           </a:p>
           <a:p>
@@ -4424,7 +3662,6 @@
               <a:rPr lang="en-US" dirty="0" smtClean="0"/>
               <a:t>arket</a:t>
             </a:r>
-            <a:endParaRPr lang="en-US" dirty="0" smtClean="0"/>
           </a:p>
           <a:p>
             <a:pPr marL="682634" lvl="2" indent="0">
@@ -4753,718 +3990,6 @@
     <p:extLst>
       <p:ext uri="{BB962C8B-B14F-4D97-AF65-F5344CB8AC3E}">
         <p14:creationId xmlns:p14="http://schemas.microsoft.com/office/powerpoint/2010/main" val="1748791378"/>
-      </p:ext>
-    </p:extLst>
-  </p:cSld>
-  <p:clrMapOvr>
-    <a:masterClrMapping/>
-  </p:clrMapOvr>
-  <mc:AlternateContent xmlns:mc="http://schemas.openxmlformats.org/markup-compatibility/2006" xmlns:p14="http://schemas.microsoft.com/office/powerpoint/2010/main">
-    <mc:Choice Requires="p14">
-      <p:transition p14:dur="0"/>
-    </mc:Choice>
-    <mc:Fallback xmlns="">
-      <p:transition/>
-    </mc:Fallback>
-  </mc:AlternateContent>
-  <p:timing>
-    <p:tnLst>
-      <p:par>
-        <p:cTn id="1" dur="indefinite" restart="never" nodeType="tmRoot"/>
-      </p:par>
-    </p:tnLst>
-  </p:timing>
-</p:sld>
-</file>
-
-<file path=ppt/slides/slide5.xml><?xml version="1.0" encoding="utf-8"?>
-<p:sld xmlns:a="http://schemas.openxmlformats.org/drawingml/2006/main" xmlns:r="http://schemas.openxmlformats.org/officeDocument/2006/relationships" xmlns:p="http://schemas.openxmlformats.org/presentationml/2006/main">
-  <p:cSld>
-    <p:spTree>
-      <p:nvGrpSpPr>
-        <p:cNvPr id="1" name=""/>
-        <p:cNvGrpSpPr/>
-        <p:nvPr/>
-      </p:nvGrpSpPr>
-      <p:grpSpPr>
-        <a:xfrm>
-          <a:off x="0" y="0"/>
-          <a:ext cx="0" cy="0"/>
-          <a:chOff x="0" y="0"/>
-          <a:chExt cx="0" cy="0"/>
-        </a:xfrm>
-      </p:grpSpPr>
-      <p:sp>
-        <p:nvSpPr>
-          <p:cNvPr id="2" name="Slide Number Placeholder 1"/>
-          <p:cNvSpPr>
-            <a:spLocks noGrp="1"/>
-          </p:cNvSpPr>
-          <p:nvPr>
-            <p:ph type="sldNum" sz="quarter" idx="4"/>
-          </p:nvPr>
-        </p:nvSpPr>
-        <p:spPr/>
-        <p:txBody>
-          <a:bodyPr/>
-          <a:lstStyle/>
-          <a:p>
-            <a:fld id="{C014DD1E-5D91-48A3-AD6D-45FBA980D106}" type="slidenum">
-              <a:rPr lang="en-US" smtClean="0"/>
-              <a:pPr/>
-              <a:t>5</a:t>
-            </a:fld>
-            <a:endParaRPr lang="en-US" dirty="0"/>
-          </a:p>
-        </p:txBody>
-      </p:sp>
-      <p:sp>
-        <p:nvSpPr>
-          <p:cNvPr id="3" name="Content Placeholder 2"/>
-          <p:cNvSpPr>
-            <a:spLocks noGrp="1"/>
-          </p:cNvSpPr>
-          <p:nvPr>
-            <p:ph idx="1"/>
-          </p:nvPr>
-        </p:nvSpPr>
-        <p:spPr/>
-        <p:txBody>
-          <a:bodyPr>
-            <a:normAutofit/>
-          </a:bodyPr>
-          <a:lstStyle/>
-          <a:p>
-            <a:pPr lvl="1">
-              <a:lnSpc>
-                <a:spcPct val="110000"/>
-              </a:lnSpc>
-            </a:pPr>
-            <a:r>
-              <a:rPr lang="en-US" dirty="0" smtClean="0"/>
-              <a:t>Please fill your work as list</a:t>
-            </a:r>
-          </a:p>
-        </p:txBody>
-      </p:sp>
-      <p:sp>
-        <p:nvSpPr>
-          <p:cNvPr id="4" name="Title 3"/>
-          <p:cNvSpPr>
-            <a:spLocks noGrp="1"/>
-          </p:cNvSpPr>
-          <p:nvPr>
-            <p:ph type="title"/>
-          </p:nvPr>
-        </p:nvSpPr>
-        <p:spPr/>
-        <p:txBody>
-          <a:bodyPr/>
-          <a:lstStyle/>
-          <a:p>
-            <a:r>
-              <a:rPr lang="en-US" dirty="0"/>
-              <a:t>Contributions </a:t>
-            </a:r>
-            <a:r>
-              <a:rPr lang="en-US" dirty="0" smtClean="0"/>
-              <a:t>of Valentin Tronkov</a:t>
-            </a:r>
-            <a:endParaRPr lang="en-US" dirty="0"/>
-          </a:p>
-        </p:txBody>
-      </p:sp>
-    </p:spTree>
-    <p:extLst>
-      <p:ext uri="{BB962C8B-B14F-4D97-AF65-F5344CB8AC3E}">
-        <p14:creationId xmlns:p14="http://schemas.microsoft.com/office/powerpoint/2010/main" val="2523053722"/>
-      </p:ext>
-    </p:extLst>
-  </p:cSld>
-  <p:clrMapOvr>
-    <a:masterClrMapping/>
-  </p:clrMapOvr>
-  <mc:AlternateContent xmlns:mc="http://schemas.openxmlformats.org/markup-compatibility/2006" xmlns:p14="http://schemas.microsoft.com/office/powerpoint/2010/main">
-    <mc:Choice Requires="p14">
-      <p:transition p14:dur="0"/>
-    </mc:Choice>
-    <mc:Fallback xmlns="">
-      <p:transition/>
-    </mc:Fallback>
-  </mc:AlternateContent>
-  <p:timing>
-    <p:tnLst>
-      <p:par>
-        <p:cTn id="1" dur="indefinite" restart="never" nodeType="tmRoot"/>
-      </p:par>
-    </p:tnLst>
-  </p:timing>
-</p:sld>
-</file>
-
-<file path=ppt/slides/slide6.xml><?xml version="1.0" encoding="utf-8"?>
-<p:sld xmlns:a="http://schemas.openxmlformats.org/drawingml/2006/main" xmlns:r="http://schemas.openxmlformats.org/officeDocument/2006/relationships" xmlns:p="http://schemas.openxmlformats.org/presentationml/2006/main">
-  <p:cSld>
-    <p:spTree>
-      <p:nvGrpSpPr>
-        <p:cNvPr id="1" name=""/>
-        <p:cNvGrpSpPr/>
-        <p:nvPr/>
-      </p:nvGrpSpPr>
-      <p:grpSpPr>
-        <a:xfrm>
-          <a:off x="0" y="0"/>
-          <a:ext cx="0" cy="0"/>
-          <a:chOff x="0" y="0"/>
-          <a:chExt cx="0" cy="0"/>
-        </a:xfrm>
-      </p:grpSpPr>
-      <p:sp>
-        <p:nvSpPr>
-          <p:cNvPr id="2" name="Slide Number Placeholder 1"/>
-          <p:cNvSpPr>
-            <a:spLocks noGrp="1"/>
-          </p:cNvSpPr>
-          <p:nvPr>
-            <p:ph type="sldNum" sz="quarter" idx="4"/>
-          </p:nvPr>
-        </p:nvSpPr>
-        <p:spPr/>
-        <p:txBody>
-          <a:bodyPr/>
-          <a:lstStyle/>
-          <a:p>
-            <a:fld id="{C014DD1E-5D91-48A3-AD6D-45FBA980D106}" type="slidenum">
-              <a:rPr lang="en-US" smtClean="0"/>
-              <a:pPr/>
-              <a:t>6</a:t>
-            </a:fld>
-            <a:endParaRPr lang="en-US" dirty="0"/>
-          </a:p>
-        </p:txBody>
-      </p:sp>
-      <p:sp>
-        <p:nvSpPr>
-          <p:cNvPr id="3" name="Content Placeholder 2"/>
-          <p:cNvSpPr>
-            <a:spLocks noGrp="1"/>
-          </p:cNvSpPr>
-          <p:nvPr>
-            <p:ph idx="1"/>
-          </p:nvPr>
-        </p:nvSpPr>
-        <p:spPr/>
-        <p:txBody>
-          <a:bodyPr>
-            <a:normAutofit/>
-          </a:bodyPr>
-          <a:lstStyle/>
-          <a:p>
-            <a:pPr lvl="1">
-              <a:lnSpc>
-                <a:spcPct val="110000"/>
-              </a:lnSpc>
-            </a:pPr>
-            <a:r>
-              <a:rPr lang="en-US" dirty="0" smtClean="0"/>
-              <a:t>Please fill your work as list</a:t>
-            </a:r>
-          </a:p>
-        </p:txBody>
-      </p:sp>
-      <p:sp>
-        <p:nvSpPr>
-          <p:cNvPr id="4" name="Title 3"/>
-          <p:cNvSpPr>
-            <a:spLocks noGrp="1"/>
-          </p:cNvSpPr>
-          <p:nvPr>
-            <p:ph type="title"/>
-          </p:nvPr>
-        </p:nvSpPr>
-        <p:spPr/>
-        <p:txBody>
-          <a:bodyPr>
-            <a:normAutofit/>
-          </a:bodyPr>
-          <a:lstStyle/>
-          <a:p>
-            <a:r>
-              <a:rPr lang="en-US" dirty="0" smtClean="0"/>
-              <a:t>Contributions of </a:t>
-            </a:r>
-            <a:r>
-              <a:rPr lang="en-US" dirty="0">
-                <a:effectLst>
-                  <a:outerShdw blurRad="50800" dist="38100" algn="tr" rotWithShape="0">
-                    <a:prstClr val="black">
-                      <a:alpha val="40000"/>
-                    </a:prstClr>
-                  </a:outerShdw>
-                </a:effectLst>
-              </a:rPr>
-              <a:t>Dimitar </a:t>
-            </a:r>
-            <a:r>
-              <a:rPr lang="en-US" dirty="0" smtClean="0">
-                <a:effectLst>
-                  <a:outerShdw blurRad="50800" dist="38100" algn="tr" rotWithShape="0">
-                    <a:prstClr val="black">
-                      <a:alpha val="40000"/>
-                    </a:prstClr>
-                  </a:outerShdw>
-                </a:effectLst>
-              </a:rPr>
-              <a:t>Hadzhiev</a:t>
-            </a:r>
-            <a:endParaRPr lang="en-US" dirty="0"/>
-          </a:p>
-        </p:txBody>
-      </p:sp>
-    </p:spTree>
-    <p:extLst>
-      <p:ext uri="{BB962C8B-B14F-4D97-AF65-F5344CB8AC3E}">
-        <p14:creationId xmlns:p14="http://schemas.microsoft.com/office/powerpoint/2010/main" val="502253950"/>
-      </p:ext>
-    </p:extLst>
-  </p:cSld>
-  <p:clrMapOvr>
-    <a:masterClrMapping/>
-  </p:clrMapOvr>
-  <mc:AlternateContent xmlns:mc="http://schemas.openxmlformats.org/markup-compatibility/2006" xmlns:p14="http://schemas.microsoft.com/office/powerpoint/2010/main">
-    <mc:Choice Requires="p14">
-      <p:transition p14:dur="0"/>
-    </mc:Choice>
-    <mc:Fallback xmlns="">
-      <p:transition/>
-    </mc:Fallback>
-  </mc:AlternateContent>
-  <p:timing>
-    <p:tnLst>
-      <p:par>
-        <p:cTn id="1" dur="indefinite" restart="never" nodeType="tmRoot"/>
-      </p:par>
-    </p:tnLst>
-  </p:timing>
-</p:sld>
-</file>
-
-<file path=ppt/slides/slide7.xml><?xml version="1.0" encoding="utf-8"?>
-<p:sld xmlns:a="http://schemas.openxmlformats.org/drawingml/2006/main" xmlns:r="http://schemas.openxmlformats.org/officeDocument/2006/relationships" xmlns:p="http://schemas.openxmlformats.org/presentationml/2006/main">
-  <p:cSld>
-    <p:spTree>
-      <p:nvGrpSpPr>
-        <p:cNvPr id="1" name=""/>
-        <p:cNvGrpSpPr/>
-        <p:nvPr/>
-      </p:nvGrpSpPr>
-      <p:grpSpPr>
-        <a:xfrm>
-          <a:off x="0" y="0"/>
-          <a:ext cx="0" cy="0"/>
-          <a:chOff x="0" y="0"/>
-          <a:chExt cx="0" cy="0"/>
-        </a:xfrm>
-      </p:grpSpPr>
-      <p:sp>
-        <p:nvSpPr>
-          <p:cNvPr id="2" name="Slide Number Placeholder 1"/>
-          <p:cNvSpPr>
-            <a:spLocks noGrp="1"/>
-          </p:cNvSpPr>
-          <p:nvPr>
-            <p:ph type="sldNum" sz="quarter" idx="4"/>
-          </p:nvPr>
-        </p:nvSpPr>
-        <p:spPr/>
-        <p:txBody>
-          <a:bodyPr/>
-          <a:lstStyle/>
-          <a:p>
-            <a:fld id="{C014DD1E-5D91-48A3-AD6D-45FBA980D106}" type="slidenum">
-              <a:rPr lang="en-US" smtClean="0"/>
-              <a:pPr/>
-              <a:t>7</a:t>
-            </a:fld>
-            <a:endParaRPr lang="en-US" dirty="0"/>
-          </a:p>
-        </p:txBody>
-      </p:sp>
-      <p:sp>
-        <p:nvSpPr>
-          <p:cNvPr id="3" name="Content Placeholder 2"/>
-          <p:cNvSpPr>
-            <a:spLocks noGrp="1"/>
-          </p:cNvSpPr>
-          <p:nvPr>
-            <p:ph idx="1"/>
-          </p:nvPr>
-        </p:nvSpPr>
-        <p:spPr/>
-        <p:txBody>
-          <a:bodyPr>
-            <a:normAutofit/>
-          </a:bodyPr>
-          <a:lstStyle/>
-          <a:p>
-            <a:pPr lvl="1">
-              <a:lnSpc>
-                <a:spcPct val="110000"/>
-              </a:lnSpc>
-            </a:pPr>
-            <a:r>
-              <a:rPr lang="en-US" dirty="0" smtClean="0"/>
-              <a:t>Please fill your work as list</a:t>
-            </a:r>
-          </a:p>
-        </p:txBody>
-      </p:sp>
-      <p:sp>
-        <p:nvSpPr>
-          <p:cNvPr id="4" name="Title 3"/>
-          <p:cNvSpPr>
-            <a:spLocks noGrp="1"/>
-          </p:cNvSpPr>
-          <p:nvPr>
-            <p:ph type="title"/>
-          </p:nvPr>
-        </p:nvSpPr>
-        <p:spPr/>
-        <p:txBody>
-          <a:bodyPr>
-            <a:normAutofit/>
-          </a:bodyPr>
-          <a:lstStyle/>
-          <a:p>
-            <a:r>
-              <a:rPr lang="en-US" dirty="0" smtClean="0"/>
-              <a:t>Contributions of </a:t>
-            </a:r>
-            <a:r>
-              <a:rPr lang="en-US" dirty="0" smtClean="0">
-                <a:effectLst>
-                  <a:outerShdw blurRad="50800" dist="38100" algn="tr" rotWithShape="0">
-                    <a:prstClr val="black">
-                      <a:alpha val="40000"/>
-                    </a:prstClr>
-                  </a:outerShdw>
-                </a:effectLst>
-              </a:rPr>
-              <a:t>Ivan Hristov</a:t>
-            </a:r>
-            <a:endParaRPr lang="en-US" dirty="0"/>
-          </a:p>
-        </p:txBody>
-      </p:sp>
-    </p:spTree>
-    <p:extLst>
-      <p:ext uri="{BB962C8B-B14F-4D97-AF65-F5344CB8AC3E}">
-        <p14:creationId xmlns:p14="http://schemas.microsoft.com/office/powerpoint/2010/main" val="2685927408"/>
-      </p:ext>
-    </p:extLst>
-  </p:cSld>
-  <p:clrMapOvr>
-    <a:masterClrMapping/>
-  </p:clrMapOvr>
-  <mc:AlternateContent xmlns:mc="http://schemas.openxmlformats.org/markup-compatibility/2006" xmlns:p14="http://schemas.microsoft.com/office/powerpoint/2010/main">
-    <mc:Choice Requires="p14">
-      <p:transition p14:dur="0"/>
-    </mc:Choice>
-    <mc:Fallback xmlns="">
-      <p:transition/>
-    </mc:Fallback>
-  </mc:AlternateContent>
-  <p:timing>
-    <p:tnLst>
-      <p:par>
-        <p:cTn id="1" dur="indefinite" restart="never" nodeType="tmRoot"/>
-      </p:par>
-    </p:tnLst>
-  </p:timing>
-</p:sld>
-</file>
-
-<file path=ppt/slides/slide8.xml><?xml version="1.0" encoding="utf-8"?>
-<p:sld xmlns:a="http://schemas.openxmlformats.org/drawingml/2006/main" xmlns:r="http://schemas.openxmlformats.org/officeDocument/2006/relationships" xmlns:p="http://schemas.openxmlformats.org/presentationml/2006/main">
-  <p:cSld>
-    <p:spTree>
-      <p:nvGrpSpPr>
-        <p:cNvPr id="1" name=""/>
-        <p:cNvGrpSpPr/>
-        <p:nvPr/>
-      </p:nvGrpSpPr>
-      <p:grpSpPr>
-        <a:xfrm>
-          <a:off x="0" y="0"/>
-          <a:ext cx="0" cy="0"/>
-          <a:chOff x="0" y="0"/>
-          <a:chExt cx="0" cy="0"/>
-        </a:xfrm>
-      </p:grpSpPr>
-      <p:sp>
-        <p:nvSpPr>
-          <p:cNvPr id="2" name="Slide Number Placeholder 1"/>
-          <p:cNvSpPr>
-            <a:spLocks noGrp="1"/>
-          </p:cNvSpPr>
-          <p:nvPr>
-            <p:ph type="sldNum" sz="quarter" idx="4"/>
-          </p:nvPr>
-        </p:nvSpPr>
-        <p:spPr/>
-        <p:txBody>
-          <a:bodyPr/>
-          <a:lstStyle/>
-          <a:p>
-            <a:fld id="{C014DD1E-5D91-48A3-AD6D-45FBA980D106}" type="slidenum">
-              <a:rPr lang="en-US" smtClean="0"/>
-              <a:pPr/>
-              <a:t>8</a:t>
-            </a:fld>
-            <a:endParaRPr lang="en-US" dirty="0"/>
-          </a:p>
-        </p:txBody>
-      </p:sp>
-      <p:sp>
-        <p:nvSpPr>
-          <p:cNvPr id="3" name="Content Placeholder 2"/>
-          <p:cNvSpPr>
-            <a:spLocks noGrp="1"/>
-          </p:cNvSpPr>
-          <p:nvPr>
-            <p:ph idx="1"/>
-          </p:nvPr>
-        </p:nvSpPr>
-        <p:spPr/>
-        <p:txBody>
-          <a:bodyPr>
-            <a:normAutofit/>
-          </a:bodyPr>
-          <a:lstStyle/>
-          <a:p>
-            <a:pPr lvl="1">
-              <a:lnSpc>
-                <a:spcPct val="110000"/>
-              </a:lnSpc>
-            </a:pPr>
-            <a:r>
-              <a:rPr lang="en-US" dirty="0"/>
-              <a:t>Modeling hierarchy of the </a:t>
-            </a:r>
-            <a:r>
-              <a:rPr lang="en-US" dirty="0" smtClean="0"/>
-              <a:t>classes</a:t>
-            </a:r>
-          </a:p>
-          <a:p>
-            <a:pPr lvl="1">
-              <a:lnSpc>
-                <a:spcPct val="110000"/>
-              </a:lnSpc>
-            </a:pPr>
-            <a:r>
-              <a:rPr lang="en-US" dirty="0" smtClean="0"/>
-              <a:t>Create enemies with drop random item functionality</a:t>
-            </a:r>
-          </a:p>
-          <a:p>
-            <a:pPr lvl="1">
-              <a:lnSpc>
-                <a:spcPct val="110000"/>
-              </a:lnSpc>
-            </a:pPr>
-            <a:r>
-              <a:rPr lang="en-US" dirty="0" smtClean="0"/>
-              <a:t>Create enemy generator and attack enemy functionality</a:t>
-            </a:r>
-          </a:p>
-          <a:p>
-            <a:pPr lvl="1">
-              <a:lnSpc>
-                <a:spcPct val="110000"/>
-              </a:lnSpc>
-            </a:pPr>
-            <a:r>
-              <a:rPr lang="en-US" dirty="0" smtClean="0"/>
-              <a:t>Create functionality for replacing weak items</a:t>
-            </a:r>
-          </a:p>
-          <a:p>
-            <a:pPr lvl="1">
-              <a:lnSpc>
-                <a:spcPct val="110000"/>
-              </a:lnSpc>
-            </a:pPr>
-            <a:r>
-              <a:rPr lang="en-US" dirty="0" smtClean="0"/>
-              <a:t>Create leveling depends from experience</a:t>
-            </a:r>
-          </a:p>
-          <a:p>
-            <a:pPr lvl="1">
-              <a:lnSpc>
-                <a:spcPct val="110000"/>
-              </a:lnSpc>
-            </a:pPr>
-            <a:r>
-              <a:rPr lang="en-US" dirty="0" smtClean="0"/>
-              <a:t>Create custom exceptions </a:t>
-            </a:r>
-            <a:r>
-              <a:rPr lang="en-US" smtClean="0"/>
-              <a:t>and validations</a:t>
-            </a:r>
-            <a:endParaRPr lang="en-US" dirty="0" smtClean="0"/>
-          </a:p>
-        </p:txBody>
-      </p:sp>
-      <p:sp>
-        <p:nvSpPr>
-          <p:cNvPr id="4" name="Title 3"/>
-          <p:cNvSpPr>
-            <a:spLocks noGrp="1"/>
-          </p:cNvSpPr>
-          <p:nvPr>
-            <p:ph type="title"/>
-          </p:nvPr>
-        </p:nvSpPr>
-        <p:spPr/>
-        <p:txBody>
-          <a:bodyPr>
-            <a:normAutofit/>
-          </a:bodyPr>
-          <a:lstStyle/>
-          <a:p>
-            <a:r>
-              <a:rPr lang="en-US" dirty="0" smtClean="0"/>
-              <a:t>Contributions of </a:t>
-            </a:r>
-            <a:r>
-              <a:rPr lang="en-US" dirty="0" smtClean="0">
-                <a:effectLst>
-                  <a:outerShdw blurRad="50800" dist="38100" algn="tr" rotWithShape="0">
-                    <a:prstClr val="black">
-                      <a:alpha val="40000"/>
-                    </a:prstClr>
-                  </a:outerShdw>
-                </a:effectLst>
-              </a:rPr>
-              <a:t>Ilian Kostov</a:t>
-            </a:r>
-            <a:endParaRPr lang="en-US" dirty="0"/>
-          </a:p>
-        </p:txBody>
-      </p:sp>
-    </p:spTree>
-    <p:extLst>
-      <p:ext uri="{BB962C8B-B14F-4D97-AF65-F5344CB8AC3E}">
-        <p14:creationId xmlns:p14="http://schemas.microsoft.com/office/powerpoint/2010/main" val="2087537322"/>
-      </p:ext>
-    </p:extLst>
-  </p:cSld>
-  <p:clrMapOvr>
-    <a:masterClrMapping/>
-  </p:clrMapOvr>
-  <mc:AlternateContent xmlns:mc="http://schemas.openxmlformats.org/markup-compatibility/2006" xmlns:p14="http://schemas.microsoft.com/office/powerpoint/2010/main">
-    <mc:Choice Requires="p14">
-      <p:transition p14:dur="0"/>
-    </mc:Choice>
-    <mc:Fallback xmlns="">
-      <p:transition/>
-    </mc:Fallback>
-  </mc:AlternateContent>
-  <p:timing>
-    <p:tnLst>
-      <p:par>
-        <p:cTn id="1" dur="indefinite" restart="never" nodeType="tmRoot"/>
-      </p:par>
-    </p:tnLst>
-  </p:timing>
-</p:sld>
-</file>
-
-<file path=ppt/slides/slide9.xml><?xml version="1.0" encoding="utf-8"?>
-<p:sld xmlns:a="http://schemas.openxmlformats.org/drawingml/2006/main" xmlns:r="http://schemas.openxmlformats.org/officeDocument/2006/relationships" xmlns:p="http://schemas.openxmlformats.org/presentationml/2006/main">
-  <p:cSld>
-    <p:spTree>
-      <p:nvGrpSpPr>
-        <p:cNvPr id="1" name=""/>
-        <p:cNvGrpSpPr/>
-        <p:nvPr/>
-      </p:nvGrpSpPr>
-      <p:grpSpPr>
-        <a:xfrm>
-          <a:off x="0" y="0"/>
-          <a:ext cx="0" cy="0"/>
-          <a:chOff x="0" y="0"/>
-          <a:chExt cx="0" cy="0"/>
-        </a:xfrm>
-      </p:grpSpPr>
-      <p:sp>
-        <p:nvSpPr>
-          <p:cNvPr id="2" name="Text Placeholder 1"/>
-          <p:cNvSpPr>
-            <a:spLocks noGrp="1"/>
-          </p:cNvSpPr>
-          <p:nvPr>
-            <p:ph type="body" sz="quarter" idx="10"/>
-          </p:nvPr>
-        </p:nvSpPr>
-        <p:spPr/>
-        <p:txBody>
-          <a:bodyPr/>
-          <a:lstStyle/>
-          <a:p>
-            <a:r>
-              <a:rPr lang="en-US" dirty="0">
-                <a:hlinkClick r:id="rId3"/>
-              </a:rPr>
-              <a:t>https://softuni.bg/courses/oop</a:t>
-            </a:r>
-            <a:r>
-              <a:rPr lang="en-US" dirty="0" smtClean="0">
-                <a:hlinkClick r:id="rId3"/>
-              </a:rPr>
-              <a:t>/</a:t>
-            </a:r>
-            <a:endParaRPr lang="en-US" dirty="0"/>
-          </a:p>
-        </p:txBody>
-      </p:sp>
-      <p:sp>
-        <p:nvSpPr>
-          <p:cNvPr id="3" name="Title 2"/>
-          <p:cNvSpPr>
-            <a:spLocks noGrp="1"/>
-          </p:cNvSpPr>
-          <p:nvPr>
-            <p:ph type="title"/>
-          </p:nvPr>
-        </p:nvSpPr>
-        <p:spPr>
-          <a:xfrm>
-            <a:off x="188815" y="117000"/>
-            <a:ext cx="9531686" cy="797400"/>
-          </a:xfrm>
-        </p:spPr>
-        <p:txBody>
-          <a:bodyPr>
-            <a:normAutofit/>
-          </a:bodyPr>
-          <a:lstStyle/>
-          <a:p>
-            <a:r>
-              <a:rPr lang="en-US" dirty="0" smtClean="0"/>
-              <a:t>Asterix and Obelix console based RPG</a:t>
-            </a:r>
-            <a:endParaRPr lang="en-US" dirty="0"/>
-          </a:p>
-        </p:txBody>
-      </p:sp>
-    </p:spTree>
-    <p:extLst>
-      <p:ext uri="{BB962C8B-B14F-4D97-AF65-F5344CB8AC3E}">
-        <p14:creationId xmlns:p14="http://schemas.microsoft.com/office/powerpoint/2010/main" val="3158524376"/>
       </p:ext>
     </p:extLst>
   </p:cSld>
